--- a/project review 1.pptx
+++ b/project review 1.pptx
@@ -5,16 +5,18 @@
     <p:sldMasterId id="2147483648" r:id="rId1"/>
   </p:sldMasterIdLst>
   <p:notesMasterIdLst>
-    <p:notesMasterId r:id="rId9"/>
+    <p:notesMasterId r:id="rId11"/>
   </p:notesMasterIdLst>
   <p:sldIdLst>
     <p:sldId id="261" r:id="rId2"/>
     <p:sldId id="262" r:id="rId3"/>
     <p:sldId id="257" r:id="rId4"/>
-    <p:sldId id="259" r:id="rId5"/>
+    <p:sldId id="269" r:id="rId5"/>
     <p:sldId id="264" r:id="rId6"/>
     <p:sldId id="265" r:id="rId7"/>
-    <p:sldId id="260" r:id="rId8"/>
+    <p:sldId id="266" r:id="rId8"/>
+    <p:sldId id="267" r:id="rId9"/>
+    <p:sldId id="268" r:id="rId10"/>
   </p:sldIdLst>
   <p:sldSz cx="9144000" cy="5143500" type="screen16x9"/>
   <p:notesSz cx="6858000" cy="9144000"/>
@@ -214,7 +216,7 @@
           <a:p>
             <a:fld id="{E59079F5-4A20-44B5-BFAC-0B14E2713F81}" type="datetimeFigureOut">
               <a:rPr lang="en-US" smtClean="0"/>
-              <a:t>11/15/2021</a:t>
+              <a:t>11/16/2021</a:t>
             </a:fld>
             <a:endParaRPr lang="en-US"/>
           </a:p>
@@ -481,95 +483,6 @@
 </p:notesMaster>
 </file>
 
-<file path=ppt/notesSlides/notesSlide1.xml><?xml version="1.0" encoding="utf-8"?>
-<p:notes xmlns:a="http://schemas.openxmlformats.org/drawingml/2006/main" xmlns:r="http://schemas.openxmlformats.org/officeDocument/2006/relationships" xmlns:p="http://schemas.openxmlformats.org/presentationml/2006/main">
-  <p:cSld>
-    <p:spTree>
-      <p:nvGrpSpPr>
-        <p:cNvPr id="1" name=""/>
-        <p:cNvGrpSpPr/>
-        <p:nvPr/>
-      </p:nvGrpSpPr>
-      <p:grpSpPr>
-        <a:xfrm>
-          <a:off x="0" y="0"/>
-          <a:ext cx="0" cy="0"/>
-          <a:chOff x="0" y="0"/>
-          <a:chExt cx="0" cy="0"/>
-        </a:xfrm>
-      </p:grpSpPr>
-      <p:sp>
-        <p:nvSpPr>
-          <p:cNvPr id="2" name="Slide Image Placeholder 1"/>
-          <p:cNvSpPr>
-            <a:spLocks noGrp="1" noRot="1" noChangeAspect="1"/>
-          </p:cNvSpPr>
-          <p:nvPr>
-            <p:ph type="sldImg"/>
-          </p:nvPr>
-        </p:nvSpPr>
-        <p:spPr>
-          <a:xfrm>
-            <a:off x="685800" y="1143000"/>
-            <a:ext cx="5486400" cy="3086100"/>
-          </a:xfrm>
-        </p:spPr>
-      </p:sp>
-      <p:sp>
-        <p:nvSpPr>
-          <p:cNvPr id="3" name="Notes Placeholder 2"/>
-          <p:cNvSpPr>
-            <a:spLocks noGrp="1"/>
-          </p:cNvSpPr>
-          <p:nvPr>
-            <p:ph type="body" idx="1"/>
-          </p:nvPr>
-        </p:nvSpPr>
-        <p:spPr/>
-        <p:txBody>
-          <a:bodyPr/>
-          <a:lstStyle/>
-          <a:p>
-            <a:endParaRPr lang="en-US"/>
-          </a:p>
-        </p:txBody>
-      </p:sp>
-      <p:sp>
-        <p:nvSpPr>
-          <p:cNvPr id="4" name="Slide Number Placeholder 3"/>
-          <p:cNvSpPr>
-            <a:spLocks noGrp="1"/>
-          </p:cNvSpPr>
-          <p:nvPr>
-            <p:ph type="sldNum" sz="quarter" idx="10"/>
-          </p:nvPr>
-        </p:nvSpPr>
-        <p:spPr/>
-        <p:txBody>
-          <a:bodyPr/>
-          <a:lstStyle/>
-          <a:p>
-            <a:fld id="{87350B06-B074-48FC-8CFD-53D2CD8FB95F}" type="slidenum">
-              <a:rPr lang="en-US" smtClean="0"/>
-              <a:t>7</a:t>
-            </a:fld>
-            <a:endParaRPr lang="en-US"/>
-          </a:p>
-        </p:txBody>
-      </p:sp>
-    </p:spTree>
-    <p:extLst>
-      <p:ext uri="{BB962C8B-B14F-4D97-AF65-F5344CB8AC3E}">
-        <p14:creationId xmlns:p14="http://schemas.microsoft.com/office/powerpoint/2010/main" val="3192031079"/>
-      </p:ext>
-    </p:extLst>
-  </p:cSld>
-  <p:clrMapOvr>
-    <a:masterClrMapping/>
-  </p:clrMapOvr>
-</p:notes>
-</file>
-
 <file path=ppt/slideLayouts/slideLayout1.xml><?xml version="1.0" encoding="utf-8"?>
 <p:sldLayout xmlns:a="http://schemas.openxmlformats.org/drawingml/2006/main" xmlns:r="http://schemas.openxmlformats.org/officeDocument/2006/relationships" xmlns:p="http://schemas.openxmlformats.org/presentationml/2006/main" type="title" preserve="1">
   <p:cSld name="Title Slide">
@@ -793,7 +706,7 @@
             <a:fld id="{53074F12-AA26-4AC8-9962-C36BB8F32554}" type="datetimeFigureOut">
               <a:rPr lang="en-US" smtClean="0"/>
               <a:pPr/>
-              <a:t>11/15/2021</a:t>
+              <a:t>11/16/2021</a:t>
             </a:fld>
             <a:endParaRPr lang="en-US"/>
           </a:p>
@@ -1047,7 +960,7 @@
             <a:fld id="{53074F12-AA26-4AC8-9962-C36BB8F32554}" type="datetimeFigureOut">
               <a:rPr lang="en-US" smtClean="0"/>
               <a:pPr/>
-              <a:t>11/15/2021</a:t>
+              <a:t>11/16/2021</a:t>
             </a:fld>
             <a:endParaRPr lang="en-US"/>
           </a:p>
@@ -1217,7 +1130,7 @@
             <a:fld id="{53074F12-AA26-4AC8-9962-C36BB8F32554}" type="datetimeFigureOut">
               <a:rPr lang="en-US" smtClean="0"/>
               <a:pPr/>
-              <a:t>11/15/2021</a:t>
+              <a:t>11/16/2021</a:t>
             </a:fld>
             <a:endParaRPr lang="en-US"/>
           </a:p>
@@ -1397,7 +1310,7 @@
             <a:fld id="{53074F12-AA26-4AC8-9962-C36BB8F32554}" type="datetimeFigureOut">
               <a:rPr lang="en-US" smtClean="0"/>
               <a:pPr/>
-              <a:t>11/15/2021</a:t>
+              <a:t>11/16/2021</a:t>
             </a:fld>
             <a:endParaRPr lang="en-US"/>
           </a:p>
@@ -1691,7 +1604,7 @@
             <a:fld id="{53074F12-AA26-4AC8-9962-C36BB8F32554}" type="datetimeFigureOut">
               <a:rPr lang="en-US" smtClean="0"/>
               <a:pPr/>
-              <a:t>11/15/2021</a:t>
+              <a:t>11/16/2021</a:t>
             </a:fld>
             <a:endParaRPr lang="en-US"/>
           </a:p>
@@ -1950,7 +1863,7 @@
             <a:fld id="{53074F12-AA26-4AC8-9962-C36BB8F32554}" type="datetimeFigureOut">
               <a:rPr lang="en-US" smtClean="0"/>
               <a:pPr/>
-              <a:t>11/15/2021</a:t>
+              <a:t>11/16/2021</a:t>
             </a:fld>
             <a:endParaRPr lang="en-US"/>
           </a:p>
@@ -2197,7 +2110,7 @@
             <a:fld id="{53074F12-AA26-4AC8-9962-C36BB8F32554}" type="datetimeFigureOut">
               <a:rPr lang="en-US" smtClean="0"/>
               <a:pPr/>
-              <a:t>11/15/2021</a:t>
+              <a:t>11/16/2021</a:t>
             </a:fld>
             <a:endParaRPr lang="en-US"/>
           </a:p>
@@ -2484,7 +2397,7 @@
             <a:fld id="{53074F12-AA26-4AC8-9962-C36BB8F32554}" type="datetimeFigureOut">
               <a:rPr lang="en-US" smtClean="0"/>
               <a:pPr/>
-              <a:t>11/15/2021</a:t>
+              <a:t>11/16/2021</a:t>
             </a:fld>
             <a:endParaRPr lang="en-US"/>
           </a:p>
@@ -2997,7 +2910,7 @@
             <a:fld id="{53074F12-AA26-4AC8-9962-C36BB8F32554}" type="datetimeFigureOut">
               <a:rPr lang="en-US" smtClean="0"/>
               <a:pPr/>
-              <a:t>11/15/2021</a:t>
+              <a:t>11/16/2021</a:t>
             </a:fld>
             <a:endParaRPr lang="en-US"/>
           </a:p>
@@ -3116,7 +3029,7 @@
             <a:fld id="{53074F12-AA26-4AC8-9962-C36BB8F32554}" type="datetimeFigureOut">
               <a:rPr lang="en-US" smtClean="0"/>
               <a:pPr/>
-              <a:t>11/15/2021</a:t>
+              <a:t>11/16/2021</a:t>
             </a:fld>
             <a:endParaRPr lang="en-US"/>
           </a:p>
@@ -3213,7 +3126,7 @@
             <a:fld id="{53074F12-AA26-4AC8-9962-C36BB8F32554}" type="datetimeFigureOut">
               <a:rPr lang="en-US" smtClean="0"/>
               <a:pPr/>
-              <a:t>11/15/2021</a:t>
+              <a:t>11/16/2021</a:t>
             </a:fld>
             <a:endParaRPr lang="en-US"/>
           </a:p>
@@ -3490,7 +3403,7 @@
             <a:fld id="{53074F12-AA26-4AC8-9962-C36BB8F32554}" type="datetimeFigureOut">
               <a:rPr lang="en-US" smtClean="0"/>
               <a:pPr/>
-              <a:t>11/15/2021</a:t>
+              <a:t>11/16/2021</a:t>
             </a:fld>
             <a:endParaRPr lang="en-US"/>
           </a:p>
@@ -3712,7 +3625,7 @@
             <a:fld id="{53074F12-AA26-4AC8-9962-C36BB8F32554}" type="datetimeFigureOut">
               <a:rPr lang="en-US" smtClean="0"/>
               <a:pPr/>
-              <a:t>11/15/2021</a:t>
+              <a:t>11/16/2021</a:t>
             </a:fld>
             <a:endParaRPr lang="en-US"/>
           </a:p>
@@ -5762,7 +5675,13 @@
       </p:grpSpPr>
       <p:sp>
         <p:nvSpPr>
-          <p:cNvPr id="4" name="Title 3"/>
+          <p:cNvPr id="2" name="Title 1">
+            <a:extLst>
+              <a:ext uri="{FF2B5EF4-FFF2-40B4-BE49-F238E27FC236}">
+                <a16:creationId xmlns:a16="http://schemas.microsoft.com/office/drawing/2014/main" id="{484505A6-53BA-43D7-A2EE-BDF25EA58487}"/>
+              </a:ext>
+            </a:extLst>
+          </p:cNvPr>
           <p:cNvSpPr>
             <a:spLocks noGrp="1"/>
           </p:cNvSpPr>
@@ -5772,9 +5691,7 @@
         </p:nvSpPr>
         <p:spPr/>
         <p:txBody>
-          <a:bodyPr>
-            <a:normAutofit fontScale="90000"/>
-          </a:bodyPr>
+          <a:bodyPr/>
           <a:lstStyle/>
           <a:p>
             <a:r>
@@ -5786,7 +5703,13 @@
       </p:sp>
       <p:sp>
         <p:nvSpPr>
-          <p:cNvPr id="5" name="Content Placeholder 4"/>
+          <p:cNvPr id="3" name="Content Placeholder 2">
+            <a:extLst>
+              <a:ext uri="{FF2B5EF4-FFF2-40B4-BE49-F238E27FC236}">
+                <a16:creationId xmlns:a16="http://schemas.microsoft.com/office/drawing/2014/main" id="{1AD2C329-61BB-4613-966C-247CE7F7C05E}"/>
+              </a:ext>
+            </a:extLst>
+          </p:cNvPr>
           <p:cNvSpPr>
             <a:spLocks noGrp="1"/>
           </p:cNvSpPr>
@@ -5855,12 +5778,15 @@
             </a:pPr>
             <a:endParaRPr lang="en-US" dirty="0"/>
           </a:p>
+          <a:p>
+            <a:endParaRPr lang="en-US" dirty="0"/>
+          </a:p>
         </p:txBody>
       </p:sp>
     </p:spTree>
     <p:extLst>
       <p:ext uri="{BB962C8B-B14F-4D97-AF65-F5344CB8AC3E}">
-        <p14:creationId xmlns:p14="http://schemas.microsoft.com/office/powerpoint/2010/main" val="1101633878"/>
+        <p14:creationId xmlns:p14="http://schemas.microsoft.com/office/powerpoint/2010/main" val="1582681331"/>
       </p:ext>
     </p:extLst>
   </p:cSld>
@@ -6153,53 +6079,355 @@
           <a:chExt cx="0" cy="0"/>
         </a:xfrm>
       </p:grpSpPr>
-      <p:pic>
-        <p:nvPicPr>
-          <p:cNvPr id="3" name="Picture 2" descr="E:\websites\free-power-point-templates\2012\logos.png"/>
-          <p:cNvPicPr>
-            <a:picLocks noChangeAspect="1" noChangeArrowheads="1"/>
-          </p:cNvPicPr>
-          <p:nvPr/>
-        </p:nvPicPr>
-        <p:blipFill>
-          <a:blip r:embed="rId3" cstate="print">
+      <p:sp>
+        <p:nvSpPr>
+          <p:cNvPr id="2" name="Title 1">
             <a:extLst>
-              <a:ext uri="{28A0092B-C50C-407E-A947-70E740481C1C}">
-                <a14:useLocalDpi xmlns:a14="http://schemas.microsoft.com/office/drawing/2010/main" val="0"/>
+              <a:ext uri="{FF2B5EF4-FFF2-40B4-BE49-F238E27FC236}">
+                <a16:creationId xmlns:a16="http://schemas.microsoft.com/office/drawing/2014/main" id="{3023C5C8-B437-4771-933A-D4B1C78B825B}"/>
               </a:ext>
             </a:extLst>
-          </a:blip>
-          <a:stretch>
-            <a:fillRect/>
-          </a:stretch>
-        </p:blipFill>
-        <p:spPr bwMode="auto">
-          <a:xfrm>
-            <a:off x="3918307" y="2326215"/>
-            <a:ext cx="1463784" cy="526961"/>
-          </a:xfrm>
-          <a:prstGeom prst="rect">
-            <a:avLst/>
-          </a:prstGeom>
-          <a:noFill/>
-          <a:ln>
-            <a:noFill/>
-          </a:ln>
-          <a:extLst>
-            <a:ext uri="{909E8E84-426E-40DD-AFC4-6F175D3DCCD1}">
-              <a14:hiddenFill xmlns:a14="http://schemas.microsoft.com/office/drawing/2010/main">
-                <a:solidFill>
-                  <a:srgbClr val="FFFFFF"/>
-                </a:solidFill>
-              </a14:hiddenFill>
-            </a:ext>
-          </a:extLst>
-        </p:spPr>
-      </p:pic>
+          </p:cNvPr>
+          <p:cNvSpPr>
+            <a:spLocks noGrp="1"/>
+          </p:cNvSpPr>
+          <p:nvPr>
+            <p:ph type="title"/>
+          </p:nvPr>
+        </p:nvSpPr>
+        <p:spPr/>
+        <p:txBody>
+          <a:bodyPr/>
+          <a:lstStyle/>
+          <a:p>
+            <a:r>
+              <a:rPr lang="en-US" dirty="0"/>
+              <a:t>System Requirements</a:t>
+            </a:r>
+          </a:p>
+        </p:txBody>
+      </p:sp>
+      <p:sp>
+        <p:nvSpPr>
+          <p:cNvPr id="3" name="Content Placeholder 2">
+            <a:extLst>
+              <a:ext uri="{FF2B5EF4-FFF2-40B4-BE49-F238E27FC236}">
+                <a16:creationId xmlns:a16="http://schemas.microsoft.com/office/drawing/2014/main" id="{C0BD6E92-0D86-4BB8-AEB1-4F81C4ACEED4}"/>
+              </a:ext>
+            </a:extLst>
+          </p:cNvPr>
+          <p:cNvSpPr>
+            <a:spLocks noGrp="1"/>
+          </p:cNvSpPr>
+          <p:nvPr>
+            <p:ph idx="1"/>
+          </p:nvPr>
+        </p:nvSpPr>
+        <p:spPr/>
+        <p:txBody>
+          <a:bodyPr/>
+          <a:lstStyle/>
+          <a:p>
+            <a:pPr>
+              <a:buFont typeface="Wingdings" panose="05000000000000000000" pitchFamily="2" charset="2"/>
+              <a:buChar char="v"/>
+            </a:pPr>
+            <a:r>
+              <a:rPr lang="en-US" b="0" i="0" dirty="0">
+                <a:solidFill>
+                  <a:srgbClr val="202124"/>
+                </a:solidFill>
+                <a:effectLst/>
+                <a:latin typeface="arial" panose="020B0604020202020204" pitchFamily="34" charset="0"/>
+              </a:rPr>
+              <a:t>CPU: for web 1.6 GHz , for web and database 4 x 1.6 GHz CPU.</a:t>
+            </a:r>
+          </a:p>
+          <a:p>
+            <a:pPr algn="l">
+              <a:buFont typeface="Wingdings" panose="05000000000000000000" pitchFamily="2" charset="2"/>
+              <a:buChar char="v"/>
+            </a:pPr>
+            <a:r>
+              <a:rPr lang="en-US" b="0" i="0" dirty="0">
+                <a:solidFill>
+                  <a:srgbClr val="202124"/>
+                </a:solidFill>
+                <a:effectLst/>
+                <a:latin typeface="arial" panose="020B0604020202020204" pitchFamily="34" charset="0"/>
+              </a:rPr>
+              <a:t>RAM: 4GB.</a:t>
+            </a:r>
+          </a:p>
+          <a:p>
+            <a:pPr algn="l">
+              <a:buFont typeface="Wingdings" panose="05000000000000000000" pitchFamily="2" charset="2"/>
+              <a:buChar char="v"/>
+            </a:pPr>
+            <a:r>
+              <a:rPr lang="en-US" b="0" i="0" dirty="0">
+                <a:solidFill>
+                  <a:srgbClr val="202124"/>
+                </a:solidFill>
+                <a:effectLst/>
+                <a:latin typeface="arial" panose="020B0604020202020204" pitchFamily="34" charset="0"/>
+              </a:rPr>
+              <a:t>Minimum database space: 10GB.</a:t>
+            </a:r>
+          </a:p>
+          <a:p>
+            <a:pPr marL="0" indent="0">
+              <a:buNone/>
+            </a:pPr>
+            <a:endParaRPr lang="en-US" dirty="0"/>
+          </a:p>
+        </p:txBody>
+      </p:sp>
     </p:spTree>
     <p:extLst>
       <p:ext uri="{BB962C8B-B14F-4D97-AF65-F5344CB8AC3E}">
-        <p14:creationId xmlns:p14="http://schemas.microsoft.com/office/powerpoint/2010/main" val="109100692"/>
+        <p14:creationId xmlns:p14="http://schemas.microsoft.com/office/powerpoint/2010/main" val="1421225740"/>
+      </p:ext>
+    </p:extLst>
+  </p:cSld>
+  <p:clrMapOvr>
+    <a:masterClrMapping/>
+  </p:clrMapOvr>
+</p:sld>
+</file>
+
+<file path=ppt/slides/slide8.xml><?xml version="1.0" encoding="utf-8"?>
+<p:sld xmlns:a="http://schemas.openxmlformats.org/drawingml/2006/main" xmlns:r="http://schemas.openxmlformats.org/officeDocument/2006/relationships" xmlns:p="http://schemas.openxmlformats.org/presentationml/2006/main">
+  <p:cSld>
+    <p:spTree>
+      <p:nvGrpSpPr>
+        <p:cNvPr id="1" name=""/>
+        <p:cNvGrpSpPr/>
+        <p:nvPr/>
+      </p:nvGrpSpPr>
+      <p:grpSpPr>
+        <a:xfrm>
+          <a:off x="0" y="0"/>
+          <a:ext cx="0" cy="0"/>
+          <a:chOff x="0" y="0"/>
+          <a:chExt cx="0" cy="0"/>
+        </a:xfrm>
+      </p:grpSpPr>
+      <p:sp>
+        <p:nvSpPr>
+          <p:cNvPr id="2" name="Title 1">
+            <a:extLst>
+              <a:ext uri="{FF2B5EF4-FFF2-40B4-BE49-F238E27FC236}">
+                <a16:creationId xmlns:a16="http://schemas.microsoft.com/office/drawing/2014/main" id="{00769D13-34C6-48A7-ADAC-266B7282819F}"/>
+              </a:ext>
+            </a:extLst>
+          </p:cNvPr>
+          <p:cNvSpPr>
+            <a:spLocks noGrp="1"/>
+          </p:cNvSpPr>
+          <p:nvPr>
+            <p:ph type="title"/>
+          </p:nvPr>
+        </p:nvSpPr>
+        <p:spPr/>
+        <p:txBody>
+          <a:bodyPr/>
+          <a:lstStyle/>
+          <a:p>
+            <a:r>
+              <a:rPr lang="en-US" dirty="0"/>
+              <a:t>Societal Applications</a:t>
+            </a:r>
+          </a:p>
+        </p:txBody>
+      </p:sp>
+      <p:sp>
+        <p:nvSpPr>
+          <p:cNvPr id="3" name="Content Placeholder 2">
+            <a:extLst>
+              <a:ext uri="{FF2B5EF4-FFF2-40B4-BE49-F238E27FC236}">
+                <a16:creationId xmlns:a16="http://schemas.microsoft.com/office/drawing/2014/main" id="{50F67A17-EB9F-453F-AAD6-3C529B9D997F}"/>
+              </a:ext>
+            </a:extLst>
+          </p:cNvPr>
+          <p:cNvSpPr>
+            <a:spLocks noGrp="1"/>
+          </p:cNvSpPr>
+          <p:nvPr>
+            <p:ph idx="1"/>
+          </p:nvPr>
+        </p:nvSpPr>
+        <p:spPr/>
+        <p:txBody>
+          <a:bodyPr/>
+          <a:lstStyle/>
+          <a:p>
+            <a:pPr>
+              <a:buFont typeface="Wingdings" panose="05000000000000000000" pitchFamily="2" charset="2"/>
+              <a:buChar char="v"/>
+            </a:pPr>
+            <a:r>
+              <a:rPr lang="en-US" dirty="0"/>
+              <a:t>Adds transparency in the chain of farmer to customer transactions</a:t>
+            </a:r>
+          </a:p>
+          <a:p>
+            <a:pPr>
+              <a:buFont typeface="Wingdings" panose="05000000000000000000" pitchFamily="2" charset="2"/>
+              <a:buChar char="v"/>
+            </a:pPr>
+            <a:r>
+              <a:rPr lang="en-US" dirty="0"/>
+              <a:t>Increase in profits for farmers</a:t>
+            </a:r>
+          </a:p>
+          <a:p>
+            <a:pPr>
+              <a:buFont typeface="Wingdings" panose="05000000000000000000" pitchFamily="2" charset="2"/>
+              <a:buChar char="v"/>
+            </a:pPr>
+            <a:r>
+              <a:rPr lang="en-US" dirty="0"/>
+              <a:t>Allows customers to buy fresh and quality products for cheap costs compared to the traditional way</a:t>
+            </a:r>
+          </a:p>
+          <a:p>
+            <a:pPr>
+              <a:buFont typeface="Wingdings" panose="05000000000000000000" pitchFamily="2" charset="2"/>
+              <a:buChar char="v"/>
+            </a:pPr>
+            <a:endParaRPr lang="en-US" dirty="0"/>
+          </a:p>
+          <a:p>
+            <a:pPr>
+              <a:buFont typeface="Wingdings" panose="05000000000000000000" pitchFamily="2" charset="2"/>
+              <a:buChar char="v"/>
+            </a:pPr>
+            <a:endParaRPr lang="en-US" dirty="0"/>
+          </a:p>
+        </p:txBody>
+      </p:sp>
+    </p:spTree>
+    <p:extLst>
+      <p:ext uri="{BB962C8B-B14F-4D97-AF65-F5344CB8AC3E}">
+        <p14:creationId xmlns:p14="http://schemas.microsoft.com/office/powerpoint/2010/main" val="1932714150"/>
+      </p:ext>
+    </p:extLst>
+  </p:cSld>
+  <p:clrMapOvr>
+    <a:masterClrMapping/>
+  </p:clrMapOvr>
+</p:sld>
+</file>
+
+<file path=ppt/slides/slide9.xml><?xml version="1.0" encoding="utf-8"?>
+<p:sld xmlns:a="http://schemas.openxmlformats.org/drawingml/2006/main" xmlns:r="http://schemas.openxmlformats.org/officeDocument/2006/relationships" xmlns:p="http://schemas.openxmlformats.org/presentationml/2006/main">
+  <p:cSld>
+    <p:spTree>
+      <p:nvGrpSpPr>
+        <p:cNvPr id="1" name=""/>
+        <p:cNvGrpSpPr/>
+        <p:nvPr/>
+      </p:nvGrpSpPr>
+      <p:grpSpPr>
+        <a:xfrm>
+          <a:off x="0" y="0"/>
+          <a:ext cx="0" cy="0"/>
+          <a:chOff x="0" y="0"/>
+          <a:chExt cx="0" cy="0"/>
+        </a:xfrm>
+      </p:grpSpPr>
+      <p:sp>
+        <p:nvSpPr>
+          <p:cNvPr id="2" name="Title 1">
+            <a:extLst>
+              <a:ext uri="{FF2B5EF4-FFF2-40B4-BE49-F238E27FC236}">
+                <a16:creationId xmlns:a16="http://schemas.microsoft.com/office/drawing/2014/main" id="{739B54BD-0DF3-402E-A8D7-8BE130BBE8B8}"/>
+              </a:ext>
+            </a:extLst>
+          </p:cNvPr>
+          <p:cNvSpPr>
+            <a:spLocks noGrp="1"/>
+          </p:cNvSpPr>
+          <p:nvPr>
+            <p:ph type="title"/>
+          </p:nvPr>
+        </p:nvSpPr>
+        <p:spPr/>
+        <p:txBody>
+          <a:bodyPr/>
+          <a:lstStyle/>
+          <a:p>
+            <a:r>
+              <a:rPr lang="en-US" dirty="0"/>
+              <a:t>References</a:t>
+            </a:r>
+          </a:p>
+        </p:txBody>
+      </p:sp>
+      <p:sp>
+        <p:nvSpPr>
+          <p:cNvPr id="3" name="Content Placeholder 2">
+            <a:extLst>
+              <a:ext uri="{FF2B5EF4-FFF2-40B4-BE49-F238E27FC236}">
+                <a16:creationId xmlns:a16="http://schemas.microsoft.com/office/drawing/2014/main" id="{D09DEBBF-0573-452B-90DB-01A6D73FBEC5}"/>
+              </a:ext>
+            </a:extLst>
+          </p:cNvPr>
+          <p:cNvSpPr>
+            <a:spLocks noGrp="1"/>
+          </p:cNvSpPr>
+          <p:nvPr>
+            <p:ph idx="1"/>
+          </p:nvPr>
+        </p:nvSpPr>
+        <p:spPr/>
+        <p:txBody>
+          <a:bodyPr/>
+          <a:lstStyle/>
+          <a:p>
+            <a:pPr>
+              <a:buFont typeface="Wingdings" panose="05000000000000000000" pitchFamily="2" charset="2"/>
+              <a:buChar char="v"/>
+            </a:pPr>
+            <a:r>
+              <a:rPr lang="en-US" dirty="0"/>
+              <a:t>Google</a:t>
+            </a:r>
+          </a:p>
+          <a:p>
+            <a:pPr>
+              <a:buFont typeface="Wingdings" panose="05000000000000000000" pitchFamily="2" charset="2"/>
+              <a:buChar char="v"/>
+            </a:pPr>
+            <a:r>
+              <a:rPr lang="en-US" dirty="0"/>
+              <a:t>Wikipedia</a:t>
+            </a:r>
+          </a:p>
+          <a:p>
+            <a:pPr>
+              <a:buFont typeface="Wingdings" panose="05000000000000000000" pitchFamily="2" charset="2"/>
+              <a:buChar char="v"/>
+            </a:pPr>
+            <a:r>
+              <a:rPr lang="en-US" dirty="0"/>
+              <a:t>Famous web applications all over the world</a:t>
+            </a:r>
+          </a:p>
+          <a:p>
+            <a:pPr>
+              <a:buFont typeface="Wingdings" panose="05000000000000000000" pitchFamily="2" charset="2"/>
+              <a:buChar char="v"/>
+            </a:pPr>
+            <a:endParaRPr lang="en-US" dirty="0"/>
+          </a:p>
+        </p:txBody>
+      </p:sp>
+    </p:spTree>
+    <p:extLst>
+      <p:ext uri="{BB962C8B-B14F-4D97-AF65-F5344CB8AC3E}">
+        <p14:creationId xmlns:p14="http://schemas.microsoft.com/office/powerpoint/2010/main" val="4283902972"/>
       </p:ext>
     </p:extLst>
   </p:cSld>
